--- a/Design Documents/New User Slides V2.pptx
+++ b/Design Documents/New User Slides V2.pptx
@@ -245,7 +245,7 @@
           <a:p>
             <a:fld id="{9AC24A59-DEC4-4CF9-943A-AF8D05BDED47}" type="datetimeFigureOut">
               <a:rPr lang="en-US" smtClean="0"/>
-              <a:t>8/14/2013</a:t>
+              <a:t>10/29/2013</a:t>
             </a:fld>
             <a:endParaRPr lang="en-US"/>
           </a:p>
@@ -415,7 +415,7 @@
           <a:p>
             <a:fld id="{9AC24A59-DEC4-4CF9-943A-AF8D05BDED47}" type="datetimeFigureOut">
               <a:rPr lang="en-US" smtClean="0"/>
-              <a:t>8/14/2013</a:t>
+              <a:t>10/29/2013</a:t>
             </a:fld>
             <a:endParaRPr lang="en-US"/>
           </a:p>
@@ -595,7 +595,7 @@
           <a:p>
             <a:fld id="{9AC24A59-DEC4-4CF9-943A-AF8D05BDED47}" type="datetimeFigureOut">
               <a:rPr lang="en-US" smtClean="0"/>
-              <a:t>8/14/2013</a:t>
+              <a:t>10/29/2013</a:t>
             </a:fld>
             <a:endParaRPr lang="en-US"/>
           </a:p>
@@ -765,7 +765,7 @@
           <a:p>
             <a:fld id="{9AC24A59-DEC4-4CF9-943A-AF8D05BDED47}" type="datetimeFigureOut">
               <a:rPr lang="en-US" smtClean="0"/>
-              <a:t>8/14/2013</a:t>
+              <a:t>10/29/2013</a:t>
             </a:fld>
             <a:endParaRPr lang="en-US"/>
           </a:p>
@@ -1011,7 +1011,7 @@
           <a:p>
             <a:fld id="{9AC24A59-DEC4-4CF9-943A-AF8D05BDED47}" type="datetimeFigureOut">
               <a:rPr lang="en-US" smtClean="0"/>
-              <a:t>8/14/2013</a:t>
+              <a:t>10/29/2013</a:t>
             </a:fld>
             <a:endParaRPr lang="en-US"/>
           </a:p>
@@ -1243,7 +1243,7 @@
           <a:p>
             <a:fld id="{9AC24A59-DEC4-4CF9-943A-AF8D05BDED47}" type="datetimeFigureOut">
               <a:rPr lang="en-US" smtClean="0"/>
-              <a:t>8/14/2013</a:t>
+              <a:t>10/29/2013</a:t>
             </a:fld>
             <a:endParaRPr lang="en-US"/>
           </a:p>
@@ -1610,7 +1610,7 @@
           <a:p>
             <a:fld id="{9AC24A59-DEC4-4CF9-943A-AF8D05BDED47}" type="datetimeFigureOut">
               <a:rPr lang="en-US" smtClean="0"/>
-              <a:t>8/14/2013</a:t>
+              <a:t>10/29/2013</a:t>
             </a:fld>
             <a:endParaRPr lang="en-US"/>
           </a:p>
@@ -1728,7 +1728,7 @@
           <a:p>
             <a:fld id="{9AC24A59-DEC4-4CF9-943A-AF8D05BDED47}" type="datetimeFigureOut">
               <a:rPr lang="en-US" smtClean="0"/>
-              <a:t>8/14/2013</a:t>
+              <a:t>10/29/2013</a:t>
             </a:fld>
             <a:endParaRPr lang="en-US"/>
           </a:p>
@@ -1823,7 +1823,7 @@
           <a:p>
             <a:fld id="{9AC24A59-DEC4-4CF9-943A-AF8D05BDED47}" type="datetimeFigureOut">
               <a:rPr lang="en-US" smtClean="0"/>
-              <a:t>8/14/2013</a:t>
+              <a:t>10/29/2013</a:t>
             </a:fld>
             <a:endParaRPr lang="en-US"/>
           </a:p>
@@ -2100,7 +2100,7 @@
           <a:p>
             <a:fld id="{9AC24A59-DEC4-4CF9-943A-AF8D05BDED47}" type="datetimeFigureOut">
               <a:rPr lang="en-US" smtClean="0"/>
-              <a:t>8/14/2013</a:t>
+              <a:t>10/29/2013</a:t>
             </a:fld>
             <a:endParaRPr lang="en-US"/>
           </a:p>
@@ -2353,7 +2353,7 @@
           <a:p>
             <a:fld id="{9AC24A59-DEC4-4CF9-943A-AF8D05BDED47}" type="datetimeFigureOut">
               <a:rPr lang="en-US" smtClean="0"/>
-              <a:t>8/14/2013</a:t>
+              <a:t>10/29/2013</a:t>
             </a:fld>
             <a:endParaRPr lang="en-US"/>
           </a:p>
@@ -2566,7 +2566,7 @@
           <a:p>
             <a:fld id="{9AC24A59-DEC4-4CF9-943A-AF8D05BDED47}" type="datetimeFigureOut">
               <a:rPr lang="en-US" smtClean="0"/>
-              <a:t>8/14/2013</a:t>
+              <a:t>10/29/2013</a:t>
             </a:fld>
             <a:endParaRPr lang="en-US"/>
           </a:p>
@@ -3304,19 +3304,15 @@
             </a:r>
             <a:r>
               <a:rPr lang="en-US" sz="3600" dirty="0" smtClean="0"/>
-              <a:t>by touching </a:t>
+              <a:t>by touching “Share” at </a:t>
             </a:r>
             <a:r>
               <a:rPr lang="en-US" sz="3600" dirty="0" smtClean="0"/>
-              <a:t>“Share</a:t>
+              <a:t>the top left of </a:t>
             </a:r>
             <a:r>
               <a:rPr lang="en-US" sz="3600" dirty="0" smtClean="0"/>
-              <a:t>” </a:t>
-            </a:r>
-            <a:r>
-              <a:rPr lang="en-US" sz="3600" dirty="0" smtClean="0"/>
-              <a:t>at the bottom of the screen.  </a:t>
+              <a:t>the screen.  </a:t>
             </a:r>
             <a:endParaRPr lang="en-US" sz="3600" dirty="0"/>
           </a:p>
@@ -3334,19 +3330,7 @@
             </a:r>
             <a:r>
               <a:rPr lang="en-US" sz="3600" dirty="0" smtClean="0"/>
-              <a:t>Just</a:t>
-            </a:r>
-            <a:r>
-              <a:rPr lang="en-US" sz="3600" dirty="0" smtClean="0"/>
-              <a:t> touch the “Share</a:t>
-            </a:r>
-            <a:r>
-              <a:rPr lang="en-US" sz="3600" dirty="0" smtClean="0"/>
-              <a:t>” </a:t>
-            </a:r>
-            <a:r>
-              <a:rPr lang="en-US" sz="3600" dirty="0" smtClean="0"/>
-              <a:t>button.</a:t>
+              <a:t>Just touch the “Share” button.</a:t>
             </a:r>
             <a:endParaRPr lang="en-US" sz="3600" dirty="0"/>
           </a:p>
